--- a/decks/마루.pptx
+++ b/decks/마루.pptx
@@ -5415,7 +5415,7 @@
         </p:nvSpPr>
         <p:spPr>
           <a:xfrm>
-            <a:off x="1872343" y="3606991"/>
+            <a:off x="1830784" y="3965542"/>
             <a:ext cx="1539481" cy="379765"/>
           </a:xfrm>
         </p:spPr>
@@ -5635,7 +5635,7 @@
         </p:nvSpPr>
         <p:spPr>
           <a:xfrm>
-            <a:off x="1215439" y="3417733"/>
+            <a:off x="1176154" y="3788924"/>
             <a:ext cx="2194111" cy="301723"/>
           </a:xfrm>
           <a:prstGeom prst="roundRect">
@@ -5939,294 +5939,6 @@
       </p:pic>
       <p:sp>
         <p:nvSpPr>
-          <p:cNvPr id="22" name="텍스트 개체 틀 18">
-            <a:extLst>
-              <a:ext uri="{FF2B5EF4-FFF2-40B4-BE49-F238E27FC236}">
-                <a16:creationId xmlns:a16="http://schemas.microsoft.com/office/drawing/2014/main" id="{85EDC027-FD68-882A-3939-3C2F93BB72FA}"/>
-              </a:ext>
-            </a:extLst>
-          </p:cNvPr>
-          <p:cNvSpPr txBox="1">
-            <a:spLocks/>
-          </p:cNvSpPr>
-          <p:nvPr/>
-        </p:nvSpPr>
-        <p:spPr>
-          <a:xfrm>
-            <a:off x="1215438" y="3886041"/>
-            <a:ext cx="2194111" cy="301723"/>
-          </a:xfrm>
-          <a:prstGeom prst="roundRect">
-            <a:avLst>
-              <a:gd name="adj" fmla="val 42887"/>
-            </a:avLst>
-          </a:prstGeom>
-          <a:solidFill>
-            <a:srgbClr val="FFFFFF"/>
-          </a:solidFill>
-          <a:ln w="12700" cap="flat" cmpd="sng" algn="ctr">
-            <a:noFill/>
-            <a:prstDash val="solid"/>
-            <a:miter lim="800000"/>
-          </a:ln>
-          <a:effectLst/>
-        </p:spPr>
-        <p:txBody>
-          <a:bodyPr vert="horz" lIns="0" tIns="45720" rIns="0" bIns="45720" rtlCol="0" anchor="ctr">
-            <a:noAutofit/>
-          </a:bodyPr>
-          <a:lstStyle>
-            <a:lvl1pPr marL="0" indent="0" algn="ctr" defTabSz="914400" rtl="0" eaLnBrk="1" latinLnBrk="1" hangingPunct="1">
-              <a:lnSpc>
-                <a:spcPct val="100000"/>
-              </a:lnSpc>
-              <a:spcBef>
-                <a:spcPts val="0"/>
-              </a:spcBef>
-              <a:buFont typeface="Arial" panose="020B0604020202020204" pitchFamily="34" charset="0"/>
-              <a:buNone/>
-              <a:defRPr lang="en-US" altLang="ko-KR" sz="1200" b="0" kern="1200" spc="-45" baseline="0" dirty="0">
-                <a:ln>
-                  <a:solidFill>
-                    <a:schemeClr val="accent1">
-                      <a:alpha val="0"/>
-                    </a:schemeClr>
-                  </a:solidFill>
-                </a:ln>
-                <a:solidFill>
-                  <a:schemeClr val="bg1">
-                    <a:alpha val="95000"/>
-                  </a:schemeClr>
-                </a:solidFill>
-                <a:latin typeface="+mj-ea"/>
-                <a:ea typeface="+mj-ea"/>
-                <a:cs typeface="+mn-cs"/>
-              </a:defRPr>
-            </a:lvl1pPr>
-            <a:lvl2pPr marL="457200" indent="0" algn="l" defTabSz="914400" rtl="0" eaLnBrk="1" latinLnBrk="1" hangingPunct="1">
-              <a:lnSpc>
-                <a:spcPct val="130000"/>
-              </a:lnSpc>
-              <a:spcBef>
-                <a:spcPts val="0"/>
-              </a:spcBef>
-              <a:buFont typeface="Arial" panose="020B0604020202020204" pitchFamily="34" charset="0"/>
-              <a:buNone/>
-              <a:defRPr sz="2400" kern="1200" spc="-100" baseline="0">
-                <a:ln>
-                  <a:solidFill>
-                    <a:schemeClr val="bg1">
-                      <a:alpha val="0"/>
-                    </a:schemeClr>
-                  </a:solidFill>
-                </a:ln>
-                <a:solidFill>
-                  <a:schemeClr val="lt1"/>
-                </a:solidFill>
-                <a:latin typeface="+mn-lt"/>
-                <a:ea typeface="+mn-ea"/>
-                <a:cs typeface="+mn-cs"/>
-              </a:defRPr>
-            </a:lvl2pPr>
-            <a:lvl3pPr marL="914400" indent="0" algn="l" defTabSz="914400" rtl="0" eaLnBrk="1" latinLnBrk="1" hangingPunct="1">
-              <a:lnSpc>
-                <a:spcPct val="130000"/>
-              </a:lnSpc>
-              <a:spcBef>
-                <a:spcPts val="0"/>
-              </a:spcBef>
-              <a:buFont typeface="Arial" panose="020B0604020202020204" pitchFamily="34" charset="0"/>
-              <a:buNone/>
-              <a:defRPr sz="2000" kern="1200" spc="-100" baseline="0">
-                <a:ln>
-                  <a:solidFill>
-                    <a:schemeClr val="bg1">
-                      <a:alpha val="0"/>
-                    </a:schemeClr>
-                  </a:solidFill>
-                </a:ln>
-                <a:solidFill>
-                  <a:schemeClr val="lt1"/>
-                </a:solidFill>
-                <a:latin typeface="+mn-lt"/>
-                <a:ea typeface="+mn-ea"/>
-                <a:cs typeface="+mn-cs"/>
-              </a:defRPr>
-            </a:lvl3pPr>
-            <a:lvl4pPr marL="1371600" indent="0" algn="l" defTabSz="914400" rtl="0" eaLnBrk="1" latinLnBrk="1" hangingPunct="1">
-              <a:lnSpc>
-                <a:spcPct val="130000"/>
-              </a:lnSpc>
-              <a:spcBef>
-                <a:spcPts val="0"/>
-              </a:spcBef>
-              <a:buFont typeface="Arial" panose="020B0604020202020204" pitchFamily="34" charset="0"/>
-              <a:buNone/>
-              <a:defRPr sz="1800" kern="1200" spc="-100" baseline="0">
-                <a:ln>
-                  <a:solidFill>
-                    <a:schemeClr val="bg1">
-                      <a:alpha val="0"/>
-                    </a:schemeClr>
-                  </a:solidFill>
-                </a:ln>
-                <a:solidFill>
-                  <a:schemeClr val="lt1"/>
-                </a:solidFill>
-                <a:latin typeface="+mn-lt"/>
-                <a:ea typeface="+mn-ea"/>
-                <a:cs typeface="+mn-cs"/>
-              </a:defRPr>
-            </a:lvl4pPr>
-            <a:lvl5pPr marL="1828800" indent="0" algn="l" defTabSz="914400" rtl="0" eaLnBrk="1" latinLnBrk="1" hangingPunct="1">
-              <a:lnSpc>
-                <a:spcPct val="130000"/>
-              </a:lnSpc>
-              <a:spcBef>
-                <a:spcPts val="0"/>
-              </a:spcBef>
-              <a:buFont typeface="Arial" panose="020B0604020202020204" pitchFamily="34" charset="0"/>
-              <a:buNone/>
-              <a:defRPr sz="1800" kern="1200" spc="-100" baseline="0">
-                <a:ln>
-                  <a:solidFill>
-                    <a:schemeClr val="bg1">
-                      <a:alpha val="0"/>
-                    </a:schemeClr>
-                  </a:solidFill>
-                </a:ln>
-                <a:solidFill>
-                  <a:schemeClr val="lt1"/>
-                </a:solidFill>
-                <a:latin typeface="+mn-lt"/>
-                <a:ea typeface="+mn-ea"/>
-                <a:cs typeface="+mn-cs"/>
-              </a:defRPr>
-            </a:lvl5pPr>
-            <a:lvl6pPr marL="2514600" indent="-228600" algn="l" defTabSz="914400" rtl="0" eaLnBrk="1" latinLnBrk="1" hangingPunct="1">
-              <a:lnSpc>
-                <a:spcPct val="90000"/>
-              </a:lnSpc>
-              <a:spcBef>
-                <a:spcPts val="500"/>
-              </a:spcBef>
-              <a:buFont typeface="Arial" panose="020B0604020202020204" pitchFamily="34" charset="0"/>
-              <a:buChar char="•"/>
-              <a:defRPr sz="1800" kern="1200">
-                <a:solidFill>
-                  <a:schemeClr val="lt1"/>
-                </a:solidFill>
-                <a:latin typeface="+mn-lt"/>
-                <a:ea typeface="+mn-ea"/>
-                <a:cs typeface="+mn-cs"/>
-              </a:defRPr>
-            </a:lvl6pPr>
-            <a:lvl7pPr marL="2971800" indent="-228600" algn="l" defTabSz="914400" rtl="0" eaLnBrk="1" latinLnBrk="1" hangingPunct="1">
-              <a:lnSpc>
-                <a:spcPct val="90000"/>
-              </a:lnSpc>
-              <a:spcBef>
-                <a:spcPts val="500"/>
-              </a:spcBef>
-              <a:buFont typeface="Arial" panose="020B0604020202020204" pitchFamily="34" charset="0"/>
-              <a:buChar char="•"/>
-              <a:defRPr sz="1800" kern="1200">
-                <a:solidFill>
-                  <a:schemeClr val="lt1"/>
-                </a:solidFill>
-                <a:latin typeface="+mn-lt"/>
-                <a:ea typeface="+mn-ea"/>
-                <a:cs typeface="+mn-cs"/>
-              </a:defRPr>
-            </a:lvl7pPr>
-            <a:lvl8pPr marL="3429000" indent="-228600" algn="l" defTabSz="914400" rtl="0" eaLnBrk="1" latinLnBrk="1" hangingPunct="1">
-              <a:lnSpc>
-                <a:spcPct val="90000"/>
-              </a:lnSpc>
-              <a:spcBef>
-                <a:spcPts val="500"/>
-              </a:spcBef>
-              <a:buFont typeface="Arial" panose="020B0604020202020204" pitchFamily="34" charset="0"/>
-              <a:buChar char="•"/>
-              <a:defRPr sz="1800" kern="1200">
-                <a:solidFill>
-                  <a:schemeClr val="lt1"/>
-                </a:solidFill>
-                <a:latin typeface="+mn-lt"/>
-                <a:ea typeface="+mn-ea"/>
-                <a:cs typeface="+mn-cs"/>
-              </a:defRPr>
-            </a:lvl8pPr>
-            <a:lvl9pPr marL="3886200" indent="-228600" algn="l" defTabSz="914400" rtl="0" eaLnBrk="1" latinLnBrk="1" hangingPunct="1">
-              <a:lnSpc>
-                <a:spcPct val="90000"/>
-              </a:lnSpc>
-              <a:spcBef>
-                <a:spcPts val="500"/>
-              </a:spcBef>
-              <a:buFont typeface="Arial" panose="020B0604020202020204" pitchFamily="34" charset="0"/>
-              <a:buChar char="•"/>
-              <a:defRPr sz="1800" kern="1200">
-                <a:solidFill>
-                  <a:schemeClr val="lt1"/>
-                </a:solidFill>
-                <a:latin typeface="+mn-lt"/>
-                <a:ea typeface="+mn-ea"/>
-                <a:cs typeface="+mn-cs"/>
-              </a:defRPr>
-            </a:lvl9pPr>
-          </a:lstStyle>
-          <a:p>
-            <a:r>
-              <a:rPr lang="ko-KR" altLang="en-US" sz="1100" dirty="0">
-                <a:solidFill>
-                  <a:schemeClr val="tx1">
-                    <a:lumMod val="95000"/>
-                    <a:lumOff val="5000"/>
-                    <a:alpha val="95000"/>
-                  </a:schemeClr>
-                </a:solidFill>
-              </a:rPr>
-              <a:t>시현 </a:t>
-            </a:r>
-            <a:r>
-              <a:rPr lang="en-US" altLang="ko-KR" sz="1100" dirty="0">
-                <a:solidFill>
-                  <a:schemeClr val="tx1">
-                    <a:lumMod val="95000"/>
-                    <a:lumOff val="5000"/>
-                    <a:alpha val="95000"/>
-                  </a:schemeClr>
-                </a:solidFill>
-              </a:rPr>
-              <a:t>Team - </a:t>
-            </a:r>
-            <a:r>
-              <a:rPr lang="en-US" altLang="ko-KR" sz="1100" dirty="0" err="1">
-                <a:solidFill>
-                  <a:schemeClr val="tx1">
-                    <a:lumMod val="95000"/>
-                    <a:lumOff val="5000"/>
-                    <a:alpha val="95000"/>
-                  </a:schemeClr>
-                </a:solidFill>
-              </a:rPr>
-              <a:t>Travling</a:t>
-            </a:r>
-            <a:endParaRPr lang="en-US" altLang="ko-KR" sz="1100" dirty="0">
-              <a:solidFill>
-                <a:schemeClr val="tx1">
-                  <a:lumMod val="95000"/>
-                  <a:lumOff val="5000"/>
-                  <a:alpha val="95000"/>
-                </a:schemeClr>
-              </a:solidFill>
-            </a:endParaRPr>
-          </a:p>
-        </p:txBody>
-      </p:sp>
-      <p:sp>
-        <p:nvSpPr>
           <p:cNvPr id="23" name="TextBox 22">
             <a:extLst>
               <a:ext uri="{FF2B5EF4-FFF2-40B4-BE49-F238E27FC236}">
@@ -6239,7 +5951,7 @@
         </p:nvSpPr>
         <p:spPr>
           <a:xfrm>
-            <a:off x="2857607" y="3417733"/>
+            <a:off x="2831261" y="3788924"/>
             <a:ext cx="878067" cy="323165"/>
           </a:xfrm>
           <a:prstGeom prst="rect">
@@ -6264,314 +5976,6 @@
               <a:latin typeface="BM JUA OTF" panose="02020603020101020101" pitchFamily="18" charset="-127"/>
               <a:ea typeface="BM JUA OTF" panose="02020603020101020101" pitchFamily="18" charset="-127"/>
             </a:endParaRPr>
-          </a:p>
-        </p:txBody>
-      </p:sp>
-      <p:sp>
-        <p:nvSpPr>
-          <p:cNvPr id="3" name="TextBox 2">
-            <a:extLst>
-              <a:ext uri="{FF2B5EF4-FFF2-40B4-BE49-F238E27FC236}">
-                <a16:creationId xmlns:a16="http://schemas.microsoft.com/office/drawing/2014/main" id="{1E8E4028-D3D4-005F-2783-31F8C2F1031B}"/>
-              </a:ext>
-            </a:extLst>
-          </p:cNvPr>
-          <p:cNvSpPr txBox="1"/>
-          <p:nvPr/>
-        </p:nvSpPr>
-        <p:spPr>
-          <a:xfrm>
-            <a:off x="2857607" y="3911738"/>
-            <a:ext cx="878067" cy="323165"/>
-          </a:xfrm>
-          <a:prstGeom prst="rect">
-            <a:avLst/>
-          </a:prstGeom>
-          <a:noFill/>
-        </p:spPr>
-        <p:txBody>
-          <a:bodyPr wrap="square" rtlCol="0">
-            <a:spAutoFit/>
-          </a:bodyPr>
-          <a:lstStyle/>
-          <a:p>
-            <a:r>
-              <a:rPr kumimoji="1" lang="ko-KR" altLang="en-US" sz="1500" dirty="0">
-                <a:latin typeface="BM JUA OTF" panose="02020603020101020101" pitchFamily="18" charset="-127"/>
-                <a:ea typeface="BM JUA OTF" panose="02020603020101020101" pitchFamily="18" charset="-127"/>
-              </a:rPr>
-              <a:t>박병준</a:t>
-            </a:r>
-            <a:endParaRPr kumimoji="1" lang="ko-Kore-KR" altLang="en-US" sz="1500" dirty="0">
-              <a:latin typeface="BM JUA OTF" panose="02020603020101020101" pitchFamily="18" charset="-127"/>
-              <a:ea typeface="BM JUA OTF" panose="02020603020101020101" pitchFamily="18" charset="-127"/>
-            </a:endParaRPr>
-          </a:p>
-        </p:txBody>
-      </p:sp>
-      <p:sp>
-        <p:nvSpPr>
-          <p:cNvPr id="24" name="텍스트 개체 틀 42">
-            <a:extLst>
-              <a:ext uri="{FF2B5EF4-FFF2-40B4-BE49-F238E27FC236}">
-                <a16:creationId xmlns:a16="http://schemas.microsoft.com/office/drawing/2014/main" id="{B06C3EB1-3269-3DA7-3063-08824157A154}"/>
-              </a:ext>
-            </a:extLst>
-          </p:cNvPr>
-          <p:cNvSpPr txBox="1">
-            <a:spLocks/>
-          </p:cNvSpPr>
-          <p:nvPr/>
-        </p:nvSpPr>
-        <p:spPr>
-          <a:xfrm>
-            <a:off x="2312493" y="4043104"/>
-            <a:ext cx="1539481" cy="379765"/>
-          </a:xfrm>
-          <a:prstGeom prst="roundRect">
-            <a:avLst>
-              <a:gd name="adj" fmla="val 0"/>
-            </a:avLst>
-          </a:prstGeom>
-          <a:noFill/>
-          <a:ln w="12700" cap="flat" cmpd="sng" algn="ctr">
-            <a:noFill/>
-            <a:prstDash val="solid"/>
-            <a:miter lim="800000"/>
-          </a:ln>
-          <a:effectLst>
-            <a:outerShdw blurRad="419100" dist="127000" dir="2700000" algn="tl" rotWithShape="0">
-              <a:prstClr val="black">
-                <a:alpha val="15000"/>
-              </a:prstClr>
-            </a:outerShdw>
-          </a:effectLst>
-        </p:spPr>
-        <p:txBody>
-          <a:bodyPr vert="horz" lIns="0" tIns="45720" rIns="0" bIns="45720" rtlCol="0" anchor="t">
-            <a:noAutofit/>
-          </a:bodyPr>
-          <a:lstStyle>
-            <a:lvl1pPr marL="0" indent="0" algn="l" defTabSz="914400" rtl="0" eaLnBrk="1" latinLnBrk="1" hangingPunct="1">
-              <a:lnSpc>
-                <a:spcPct val="100000"/>
-              </a:lnSpc>
-              <a:spcBef>
-                <a:spcPts val="0"/>
-              </a:spcBef>
-              <a:buFont typeface="Arial" panose="020B0604020202020204" pitchFamily="34" charset="0"/>
-              <a:buNone/>
-              <a:defRPr lang="en-US" altLang="ko-KR" sz="1400" b="0" kern="1200" spc="-45" baseline="0" dirty="0">
-                <a:ln>
-                  <a:solidFill>
-                    <a:schemeClr val="accent1">
-                      <a:alpha val="0"/>
-                    </a:schemeClr>
-                  </a:solidFill>
-                </a:ln>
-                <a:solidFill>
-                  <a:schemeClr val="tx1">
-                    <a:lumMod val="95000"/>
-                    <a:lumOff val="5000"/>
-                    <a:alpha val="95000"/>
-                  </a:schemeClr>
-                </a:solidFill>
-                <a:latin typeface="+mn-ea"/>
-                <a:ea typeface="+mn-ea"/>
-                <a:cs typeface="+mn-cs"/>
-              </a:defRPr>
-            </a:lvl1pPr>
-            <a:lvl2pPr marL="457200" indent="0" algn="l" defTabSz="914400" rtl="0" eaLnBrk="1" latinLnBrk="1" hangingPunct="1">
-              <a:lnSpc>
-                <a:spcPct val="130000"/>
-              </a:lnSpc>
-              <a:spcBef>
-                <a:spcPts val="0"/>
-              </a:spcBef>
-              <a:buFont typeface="Arial" panose="020B0604020202020204" pitchFamily="34" charset="0"/>
-              <a:buNone/>
-              <a:defRPr sz="2400" kern="1200" spc="-100" baseline="0">
-                <a:ln>
-                  <a:solidFill>
-                    <a:schemeClr val="bg1">
-                      <a:alpha val="0"/>
-                    </a:schemeClr>
-                  </a:solidFill>
-                </a:ln>
-                <a:solidFill>
-                  <a:schemeClr val="lt1"/>
-                </a:solidFill>
-                <a:latin typeface="+mn-lt"/>
-                <a:ea typeface="+mn-ea"/>
-                <a:cs typeface="+mn-cs"/>
-              </a:defRPr>
-            </a:lvl2pPr>
-            <a:lvl3pPr marL="914400" indent="0" algn="l" defTabSz="914400" rtl="0" eaLnBrk="1" latinLnBrk="1" hangingPunct="1">
-              <a:lnSpc>
-                <a:spcPct val="130000"/>
-              </a:lnSpc>
-              <a:spcBef>
-                <a:spcPts val="0"/>
-              </a:spcBef>
-              <a:buFont typeface="Arial" panose="020B0604020202020204" pitchFamily="34" charset="0"/>
-              <a:buNone/>
-              <a:defRPr sz="2000" kern="1200" spc="-100" baseline="0">
-                <a:ln>
-                  <a:solidFill>
-                    <a:schemeClr val="bg1">
-                      <a:alpha val="0"/>
-                    </a:schemeClr>
-                  </a:solidFill>
-                </a:ln>
-                <a:solidFill>
-                  <a:schemeClr val="lt1"/>
-                </a:solidFill>
-                <a:latin typeface="+mn-lt"/>
-                <a:ea typeface="+mn-ea"/>
-                <a:cs typeface="+mn-cs"/>
-              </a:defRPr>
-            </a:lvl3pPr>
-            <a:lvl4pPr marL="1371600" indent="0" algn="l" defTabSz="914400" rtl="0" eaLnBrk="1" latinLnBrk="1" hangingPunct="1">
-              <a:lnSpc>
-                <a:spcPct val="130000"/>
-              </a:lnSpc>
-              <a:spcBef>
-                <a:spcPts val="0"/>
-              </a:spcBef>
-              <a:buFont typeface="Arial" panose="020B0604020202020204" pitchFamily="34" charset="0"/>
-              <a:buNone/>
-              <a:defRPr sz="1800" kern="1200" spc="-100" baseline="0">
-                <a:ln>
-                  <a:solidFill>
-                    <a:schemeClr val="bg1">
-                      <a:alpha val="0"/>
-                    </a:schemeClr>
-                  </a:solidFill>
-                </a:ln>
-                <a:solidFill>
-                  <a:schemeClr val="lt1"/>
-                </a:solidFill>
-                <a:latin typeface="+mn-lt"/>
-                <a:ea typeface="+mn-ea"/>
-                <a:cs typeface="+mn-cs"/>
-              </a:defRPr>
-            </a:lvl4pPr>
-            <a:lvl5pPr marL="1828800" indent="0" algn="l" defTabSz="914400" rtl="0" eaLnBrk="1" latinLnBrk="1" hangingPunct="1">
-              <a:lnSpc>
-                <a:spcPct val="130000"/>
-              </a:lnSpc>
-              <a:spcBef>
-                <a:spcPts val="0"/>
-              </a:spcBef>
-              <a:buFont typeface="Arial" panose="020B0604020202020204" pitchFamily="34" charset="0"/>
-              <a:buNone/>
-              <a:defRPr sz="1800" kern="1200" spc="-100" baseline="0">
-                <a:ln>
-                  <a:solidFill>
-                    <a:schemeClr val="bg1">
-                      <a:alpha val="0"/>
-                    </a:schemeClr>
-                  </a:solidFill>
-                </a:ln>
-                <a:solidFill>
-                  <a:schemeClr val="lt1"/>
-                </a:solidFill>
-                <a:latin typeface="+mn-lt"/>
-                <a:ea typeface="+mn-ea"/>
-                <a:cs typeface="+mn-cs"/>
-              </a:defRPr>
-            </a:lvl5pPr>
-            <a:lvl6pPr marL="2514600" indent="-228600" algn="l" defTabSz="914400" rtl="0" eaLnBrk="1" latinLnBrk="1" hangingPunct="1">
-              <a:lnSpc>
-                <a:spcPct val="90000"/>
-              </a:lnSpc>
-              <a:spcBef>
-                <a:spcPts val="500"/>
-              </a:spcBef>
-              <a:buFont typeface="Arial" panose="020B0604020202020204" pitchFamily="34" charset="0"/>
-              <a:buChar char="•"/>
-              <a:defRPr sz="1800" kern="1200">
-                <a:solidFill>
-                  <a:schemeClr val="lt1"/>
-                </a:solidFill>
-                <a:latin typeface="+mn-lt"/>
-                <a:ea typeface="+mn-ea"/>
-                <a:cs typeface="+mn-cs"/>
-              </a:defRPr>
-            </a:lvl6pPr>
-            <a:lvl7pPr marL="2971800" indent="-228600" algn="l" defTabSz="914400" rtl="0" eaLnBrk="1" latinLnBrk="1" hangingPunct="1">
-              <a:lnSpc>
-                <a:spcPct val="90000"/>
-              </a:lnSpc>
-              <a:spcBef>
-                <a:spcPts val="500"/>
-              </a:spcBef>
-              <a:buFont typeface="Arial" panose="020B0604020202020204" pitchFamily="34" charset="0"/>
-              <a:buChar char="•"/>
-              <a:defRPr sz="1800" kern="1200">
-                <a:solidFill>
-                  <a:schemeClr val="lt1"/>
-                </a:solidFill>
-                <a:latin typeface="+mn-lt"/>
-                <a:ea typeface="+mn-ea"/>
-                <a:cs typeface="+mn-cs"/>
-              </a:defRPr>
-            </a:lvl7pPr>
-            <a:lvl8pPr marL="3429000" indent="-228600" algn="l" defTabSz="914400" rtl="0" eaLnBrk="1" latinLnBrk="1" hangingPunct="1">
-              <a:lnSpc>
-                <a:spcPct val="90000"/>
-              </a:lnSpc>
-              <a:spcBef>
-                <a:spcPts val="500"/>
-              </a:spcBef>
-              <a:buFont typeface="Arial" panose="020B0604020202020204" pitchFamily="34" charset="0"/>
-              <a:buChar char="•"/>
-              <a:defRPr sz="1800" kern="1200">
-                <a:solidFill>
-                  <a:schemeClr val="lt1"/>
-                </a:solidFill>
-                <a:latin typeface="+mn-lt"/>
-                <a:ea typeface="+mn-ea"/>
-                <a:cs typeface="+mn-cs"/>
-              </a:defRPr>
-            </a:lvl8pPr>
-            <a:lvl9pPr marL="3886200" indent="-228600" algn="l" defTabSz="914400" rtl="0" eaLnBrk="1" latinLnBrk="1" hangingPunct="1">
-              <a:lnSpc>
-                <a:spcPct val="90000"/>
-              </a:lnSpc>
-              <a:spcBef>
-                <a:spcPts val="500"/>
-              </a:spcBef>
-              <a:buFont typeface="Arial" panose="020B0604020202020204" pitchFamily="34" charset="0"/>
-              <a:buChar char="•"/>
-              <a:defRPr sz="1800" kern="1200">
-                <a:solidFill>
-                  <a:schemeClr val="lt1"/>
-                </a:solidFill>
-                <a:latin typeface="+mn-lt"/>
-                <a:ea typeface="+mn-ea"/>
-                <a:cs typeface="+mn-cs"/>
-              </a:defRPr>
-            </a:lvl9pPr>
-          </a:lstStyle>
-          <a:p>
-            <a:pPr>
-              <a:lnSpc>
-                <a:spcPct val="150000"/>
-              </a:lnSpc>
-            </a:pPr>
-            <a:r>
-              <a:rPr lang="en" sz="1100" dirty="0">
-                <a:solidFill>
-                  <a:schemeClr val="tx1">
-                    <a:lumMod val="50000"/>
-                    <a:lumOff val="50000"/>
-                    <a:alpha val="95000"/>
-                  </a:schemeClr>
-                </a:solidFill>
-              </a:rPr>
-              <a:t>Android Developer</a:t>
-            </a:r>
           </a:p>
         </p:txBody>
       </p:sp>
@@ -13056,7 +12460,7 @@
         </p:blipFill>
         <p:spPr>
           <a:xfrm>
-            <a:off x="3534409" y="2628900"/>
+            <a:off x="3534410" y="2437311"/>
             <a:ext cx="2075180" cy="2108651"/>
           </a:xfrm>
           <a:prstGeom prst="rect">
@@ -13064,49 +12468,6 @@
           </a:prstGeom>
         </p:spPr>
       </p:pic>
-      <p:sp>
-        <p:nvSpPr>
-          <p:cNvPr id="8" name="TextBox 7">
-            <a:extLst>
-              <a:ext uri="{FF2B5EF4-FFF2-40B4-BE49-F238E27FC236}">
-                <a16:creationId xmlns:a16="http://schemas.microsoft.com/office/drawing/2014/main" id="{A7202C26-DE1F-9E44-AB52-240662820FE8}"/>
-              </a:ext>
-            </a:extLst>
-          </p:cNvPr>
-          <p:cNvSpPr txBox="1"/>
-          <p:nvPr/>
-        </p:nvSpPr>
-        <p:spPr>
-          <a:xfrm>
-            <a:off x="2367886" y="1921014"/>
-            <a:ext cx="4408227" cy="707886"/>
-          </a:xfrm>
-          <a:prstGeom prst="rect">
-            <a:avLst/>
-          </a:prstGeom>
-          <a:noFill/>
-        </p:spPr>
-        <p:txBody>
-          <a:bodyPr wrap="square" rtlCol="0">
-            <a:spAutoFit/>
-          </a:bodyPr>
-          <a:lstStyle/>
-          <a:p>
-            <a:pPr algn="ctr"/>
-            <a:r>
-              <a:rPr kumimoji="1" lang="ko-KR" altLang="en-US" sz="4000" dirty="0">
-                <a:latin typeface="BM JUA OTF" panose="02020603020101020101" pitchFamily="18" charset="-127"/>
-                <a:ea typeface="BM JUA OTF" panose="02020603020101020101" pitchFamily="18" charset="-127"/>
-              </a:rPr>
-              <a:t>마루 시현</a:t>
-            </a:r>
-            <a:endParaRPr kumimoji="1" lang="ko-Kore-KR" altLang="en-US" sz="4000" dirty="0">
-              <a:latin typeface="BM JUA OTF" panose="02020603020101020101" pitchFamily="18" charset="-127"/>
-              <a:ea typeface="BM JUA OTF" panose="02020603020101020101" pitchFamily="18" charset="-127"/>
-            </a:endParaRPr>
-          </a:p>
-        </p:txBody>
-      </p:sp>
     </p:spTree>
     <p:extLst>
       <p:ext uri="{BB962C8B-B14F-4D97-AF65-F5344CB8AC3E}">
